--- a/Recitation_12.pptx
+++ b/Recitation_12.pptx
@@ -12877,8 +12877,8 @@
         </p:nvSpPr>
         <p:spPr>
           <a:xfrm>
-            <a:off x="9323110" y="3901556"/>
-            <a:ext cx="2479250" cy="646331"/>
+            <a:off x="5561814" y="3901556"/>
+            <a:ext cx="6240546" cy="369332"/>
           </a:xfrm>
           <a:prstGeom prst="rect">
             <a:avLst/>
@@ -12897,7 +12897,15 @@
             </a:r>
             <a:r>
               <a:rPr lang="en-US" dirty="0"/>
-              <a:t> Insert Block 4.2 to FREE LIST using LIFO</a:t>
+              <a:t> Insert Block 4.2 to the </a:t>
+            </a:r>
+            <a:r>
+              <a:rPr lang="en-US" b="1" dirty="0">
+                <a:solidFill>
+                  <a:srgbClr val="FF0000"/>
+                </a:solidFill>
+              </a:rPr>
+              <a:t>beginning of the FREE LIST (LIFO)</a:t>
             </a:r>
           </a:p>
         </p:txBody>

--- a/Recitation_12.pptx
+++ b/Recitation_12.pptx
@@ -6896,7 +6896,7 @@
             <p:ph idx="1"/>
             <p:extLst>
               <p:ext uri="{D42A27DB-BD31-4B8C-83A1-F6EECF244321}">
-                <p14:modId xmlns:p14="http://schemas.microsoft.com/office/powerpoint/2010/main" val="3603440359"/>
+                <p14:modId xmlns:p14="http://schemas.microsoft.com/office/powerpoint/2010/main" val="332364232"/>
               </p:ext>
             </p:extLst>
           </p:nvPr>
@@ -6984,7 +6984,7 @@
                     <a:p>
                       <a:r>
                         <a:rPr lang="en-US" dirty="0"/>
-                        <a:t>0/1</a:t>
+                        <a:t>0|1</a:t>
                       </a:r>
                     </a:p>
                   </a:txBody>
@@ -7119,7 +7119,7 @@
                     <a:p>
                       <a:r>
                         <a:rPr lang="en-US" dirty="0"/>
-                        <a:t>0/1</a:t>
+                        <a:t>0|1</a:t>
                       </a:r>
                     </a:p>
                   </a:txBody>
@@ -24650,7 +24650,7 @@
             </a:r>
             <a:r>
               <a:rPr lang="en-US" dirty="0"/>
-              <a:t> Insert Block 4_5 from the Free List</a:t>
+              <a:t> Insert Block 4_5 to the Free List</a:t>
             </a:r>
           </a:p>
         </p:txBody>
@@ -30541,6 +30541,11 @@
           </p:cNvGraphicFramePr>
           <p:nvPr>
             <p:ph idx="1"/>
+            <p:extLst>
+              <p:ext uri="{D42A27DB-BD31-4B8C-83A1-F6EECF244321}">
+                <p14:modId xmlns:p14="http://schemas.microsoft.com/office/powerpoint/2010/main" val="3237420452"/>
+              </p:ext>
+            </p:extLst>
           </p:nvPr>
         </p:nvGraphicFramePr>
         <p:xfrm>
@@ -30612,7 +30617,7 @@
                     <a:p>
                       <a:r>
                         <a:rPr lang="en-US" dirty="0"/>
-                        <a:t>0/1</a:t>
+                        <a:t>0|1</a:t>
                       </a:r>
                     </a:p>
                   </a:txBody>
@@ -30731,7 +30736,7 @@
                     <a:p>
                       <a:r>
                         <a:rPr lang="en-US" dirty="0"/>
-                        <a:t>0/1</a:t>
+                        <a:t>0|1</a:t>
                       </a:r>
                     </a:p>
                   </a:txBody>
@@ -31700,42 +31705,6 @@
           </a:p>
         </p:txBody>
       </p:sp>
-      <p:pic>
-        <p:nvPicPr>
-          <p:cNvPr id="30" name="Picture 29" descr="Shape, rectangle&#10;&#10;Description automatically generated">
-            <a:extLst>
-              <a:ext uri="{FF2B5EF4-FFF2-40B4-BE49-F238E27FC236}">
-                <a16:creationId xmlns:a16="http://schemas.microsoft.com/office/drawing/2014/main" id="{822931C7-9E22-4445-9876-13089106C86A}"/>
-              </a:ext>
-            </a:extLst>
-          </p:cNvPr>
-          <p:cNvPicPr>
-            <a:picLocks noChangeAspect="1"/>
-          </p:cNvPicPr>
-          <p:nvPr/>
-        </p:nvPicPr>
-        <p:blipFill>
-          <a:blip r:embed="rId3">
-            <a:extLst>
-              <a:ext uri="{28A0092B-C50C-407E-A947-70E740481C1C}">
-                <a14:useLocalDpi xmlns:a14="http://schemas.microsoft.com/office/drawing/2010/main" val="0"/>
-              </a:ext>
-            </a:extLst>
-          </a:blip>
-          <a:stretch>
-            <a:fillRect/>
-          </a:stretch>
-        </p:blipFill>
-        <p:spPr>
-          <a:xfrm>
-            <a:off x="8793185" y="443285"/>
-            <a:ext cx="3398815" cy="480102"/>
-          </a:xfrm>
-          <a:prstGeom prst="rect">
-            <a:avLst/>
-          </a:prstGeom>
-        </p:spPr>
-      </p:pic>
       <p:sp>
         <p:nvSpPr>
           <p:cNvPr id="31" name="TextBox 30">
@@ -31840,6 +31809,42 @@
           </a:p>
         </p:txBody>
       </p:sp>
+      <p:pic>
+        <p:nvPicPr>
+          <p:cNvPr id="33" name="Picture 32" descr="Shape, rectangle&#10;&#10;Description automatically generated">
+            <a:extLst>
+              <a:ext uri="{FF2B5EF4-FFF2-40B4-BE49-F238E27FC236}">
+                <a16:creationId xmlns:a16="http://schemas.microsoft.com/office/drawing/2014/main" id="{164BEED3-8C07-42B0-83A9-C5E0B369BC11}"/>
+              </a:ext>
+            </a:extLst>
+          </p:cNvPr>
+          <p:cNvPicPr>
+            <a:picLocks noChangeAspect="1"/>
+          </p:cNvPicPr>
+          <p:nvPr/>
+        </p:nvPicPr>
+        <p:blipFill>
+          <a:blip r:embed="rId3">
+            <a:extLst>
+              <a:ext uri="{28A0092B-C50C-407E-A947-70E740481C1C}">
+                <a14:useLocalDpi xmlns:a14="http://schemas.microsoft.com/office/drawing/2010/main" val="0"/>
+              </a:ext>
+            </a:extLst>
+          </a:blip>
+          <a:stretch>
+            <a:fillRect/>
+          </a:stretch>
+        </p:blipFill>
+        <p:spPr>
+          <a:xfrm>
+            <a:off x="8844203" y="366375"/>
+            <a:ext cx="3330229" cy="541067"/>
+          </a:xfrm>
+          <a:prstGeom prst="rect">
+            <a:avLst/>
+          </a:prstGeom>
+        </p:spPr>
+      </p:pic>
     </p:spTree>
     <p:extLst>
       <p:ext uri="{BB962C8B-B14F-4D97-AF65-F5344CB8AC3E}">
